--- a/slides/slides.pptx
+++ b/slides/slides.pptx
@@ -294,7 +294,7 @@
           <a:p>
             <a:fld id="{B4C71EC6-210F-42DE-9C53-41977AD35B3D}" type="datetimeFigureOut">
               <a:rPr lang="ru-RU" smtClean="0"/>
-              <a:t>20.05.2017</a:t>
+              <a:t>09.06.2017</a:t>
             </a:fld>
             <a:endParaRPr lang="ru-RU"/>
           </a:p>
@@ -459,7 +459,7 @@
           <a:p>
             <a:fld id="{B4C71EC6-210F-42DE-9C53-41977AD35B3D}" type="datetimeFigureOut">
               <a:rPr lang="ru-RU" smtClean="0"/>
-              <a:t>20.05.2017</a:t>
+              <a:t>09.06.2017</a:t>
             </a:fld>
             <a:endParaRPr lang="ru-RU"/>
           </a:p>
@@ -634,7 +634,7 @@
           <a:p>
             <a:fld id="{B4C71EC6-210F-42DE-9C53-41977AD35B3D}" type="datetimeFigureOut">
               <a:rPr lang="ru-RU" smtClean="0"/>
-              <a:t>20.05.2017</a:t>
+              <a:t>09.06.2017</a:t>
             </a:fld>
             <a:endParaRPr lang="ru-RU"/>
           </a:p>
@@ -799,7 +799,7 @@
           <a:p>
             <a:fld id="{B4C71EC6-210F-42DE-9C53-41977AD35B3D}" type="datetimeFigureOut">
               <a:rPr lang="ru-RU" smtClean="0"/>
-              <a:t>20.05.2017</a:t>
+              <a:t>09.06.2017</a:t>
             </a:fld>
             <a:endParaRPr lang="ru-RU"/>
           </a:p>
@@ -1040,7 +1040,7 @@
           <a:p>
             <a:fld id="{B4C71EC6-210F-42DE-9C53-41977AD35B3D}" type="datetimeFigureOut">
               <a:rPr lang="ru-RU" smtClean="0"/>
-              <a:t>20.05.2017</a:t>
+              <a:t>09.06.2017</a:t>
             </a:fld>
             <a:endParaRPr lang="ru-RU"/>
           </a:p>
@@ -1323,7 +1323,7 @@
           <a:p>
             <a:fld id="{B4C71EC6-210F-42DE-9C53-41977AD35B3D}" type="datetimeFigureOut">
               <a:rPr lang="ru-RU" smtClean="0"/>
-              <a:t>20.05.2017</a:t>
+              <a:t>09.06.2017</a:t>
             </a:fld>
             <a:endParaRPr lang="ru-RU"/>
           </a:p>
@@ -1740,7 +1740,7 @@
           <a:p>
             <a:fld id="{B4C71EC6-210F-42DE-9C53-41977AD35B3D}" type="datetimeFigureOut">
               <a:rPr lang="ru-RU" smtClean="0"/>
-              <a:t>20.05.2017</a:t>
+              <a:t>09.06.2017</a:t>
             </a:fld>
             <a:endParaRPr lang="ru-RU"/>
           </a:p>
@@ -1853,7 +1853,7 @@
           <a:p>
             <a:fld id="{B4C71EC6-210F-42DE-9C53-41977AD35B3D}" type="datetimeFigureOut">
               <a:rPr lang="ru-RU" smtClean="0"/>
-              <a:t>20.05.2017</a:t>
+              <a:t>09.06.2017</a:t>
             </a:fld>
             <a:endParaRPr lang="ru-RU"/>
           </a:p>
@@ -1943,7 +1943,7 @@
           <a:p>
             <a:fld id="{B4C71EC6-210F-42DE-9C53-41977AD35B3D}" type="datetimeFigureOut">
               <a:rPr lang="ru-RU" smtClean="0"/>
-              <a:t>20.05.2017</a:t>
+              <a:t>09.06.2017</a:t>
             </a:fld>
             <a:endParaRPr lang="ru-RU"/>
           </a:p>
@@ -2215,7 +2215,7 @@
           <a:p>
             <a:fld id="{B4C71EC6-210F-42DE-9C53-41977AD35B3D}" type="datetimeFigureOut">
               <a:rPr lang="ru-RU" smtClean="0"/>
-              <a:t>20.05.2017</a:t>
+              <a:t>09.06.2017</a:t>
             </a:fld>
             <a:endParaRPr lang="ru-RU"/>
           </a:p>
@@ -2463,7 +2463,7 @@
           <a:p>
             <a:fld id="{B4C71EC6-210F-42DE-9C53-41977AD35B3D}" type="datetimeFigureOut">
               <a:rPr lang="ru-RU" smtClean="0"/>
-              <a:t>20.05.2017</a:t>
+              <a:t>09.06.2017</a:t>
             </a:fld>
             <a:endParaRPr lang="ru-RU"/>
           </a:p>
@@ -2671,7 +2671,7 @@
           <a:p>
             <a:fld id="{B4C71EC6-210F-42DE-9C53-41977AD35B3D}" type="datetimeFigureOut">
               <a:rPr lang="ru-RU" smtClean="0"/>
-              <a:t>20.05.2017</a:t>
+              <a:t>09.06.2017</a:t>
             </a:fld>
             <a:endParaRPr lang="ru-RU"/>
           </a:p>
@@ -3223,7 +3223,7 @@
         </p:blipFill>
         <p:spPr bwMode="auto">
           <a:xfrm>
-            <a:off x="2558900" y="836712"/>
+            <a:off x="323528" y="822818"/>
             <a:ext cx="3920643" cy="2473023"/>
           </a:xfrm>
           <a:prstGeom prst="rect">
@@ -3264,7 +3264,7 @@
         </p:blipFill>
         <p:spPr bwMode="auto">
           <a:xfrm>
-            <a:off x="1835696" y="4005064"/>
+            <a:off x="107504" y="3872630"/>
             <a:ext cx="5467722" cy="1791150"/>
           </a:xfrm>
           <a:prstGeom prst="rect">
@@ -3313,7 +3313,7 @@
         </p:nvSpPr>
         <p:spPr>
           <a:xfrm>
-            <a:off x="2458213" y="3309735"/>
+            <a:off x="2602547" y="3131534"/>
             <a:ext cx="3862148" cy="369332"/>
           </a:xfrm>
           <a:prstGeom prst="rect">
@@ -3343,7 +3343,7 @@
         </p:nvSpPr>
         <p:spPr>
           <a:xfrm>
-            <a:off x="2458213" y="5916214"/>
+            <a:off x="2610539" y="5749882"/>
             <a:ext cx="4150816" cy="369332"/>
           </a:xfrm>
           <a:prstGeom prst="rect">
@@ -3365,6 +3365,134 @@
           </a:p>
         </p:txBody>
       </p:sp>
+      <p:pic>
+        <p:nvPicPr>
+          <p:cNvPr id="3" name="Picture 2"/>
+          <p:cNvPicPr>
+            <a:picLocks noChangeAspect="1" noChangeArrowheads="1"/>
+          </p:cNvPicPr>
+          <p:nvPr/>
+        </p:nvPicPr>
+        <p:blipFill>
+          <a:blip r:embed="rId4">
+            <a:extLst>
+              <a:ext uri="{28A0092B-C50C-407E-A947-70E740481C1C}">
+                <a14:useLocalDpi xmlns:a14="http://schemas.microsoft.com/office/drawing/2010/main" val="0"/>
+              </a:ext>
+            </a:extLst>
+          </a:blip>
+          <a:srcRect/>
+          <a:stretch>
+            <a:fillRect/>
+          </a:stretch>
+        </p:blipFill>
+        <p:spPr bwMode="auto">
+          <a:xfrm>
+            <a:off x="4751654" y="1196752"/>
+            <a:ext cx="3714750" cy="1419225"/>
+          </a:xfrm>
+          <a:prstGeom prst="rect">
+            <a:avLst/>
+          </a:prstGeom>
+          <a:noFill/>
+          <a:ln>
+            <a:noFill/>
+          </a:ln>
+          <a:effectLst/>
+          <a:extLst>
+            <a:ext uri="{909E8E84-426E-40DD-AFC4-6F175D3DCCD1}">
+              <a14:hiddenFill xmlns:a14="http://schemas.microsoft.com/office/drawing/2010/main">
+                <a:solidFill>
+                  <a:schemeClr val="accent1"/>
+                </a:solidFill>
+              </a14:hiddenFill>
+            </a:ext>
+            <a:ext uri="{91240B29-F687-4F45-9708-019B960494DF}">
+              <a14:hiddenLine xmlns:a14="http://schemas.microsoft.com/office/drawing/2010/main" w="9525">
+                <a:solidFill>
+                  <a:schemeClr val="tx1"/>
+                </a:solidFill>
+                <a:miter lim="800000"/>
+                <a:headEnd/>
+                <a:tailEnd/>
+              </a14:hiddenLine>
+            </a:ext>
+            <a:ext uri="{AF507438-7753-43E0-B8FC-AC1667EBCBE1}">
+              <a14:hiddenEffects xmlns:a14="http://schemas.microsoft.com/office/drawing/2010/main">
+                <a:effectLst>
+                  <a:outerShdw dist="35921" dir="2700000" algn="ctr" rotWithShape="0">
+                    <a:schemeClr val="bg2"/>
+                  </a:outerShdw>
+                </a:effectLst>
+              </a14:hiddenEffects>
+            </a:ext>
+          </a:extLst>
+        </p:spPr>
+      </p:pic>
+      <p:pic>
+        <p:nvPicPr>
+          <p:cNvPr id="6" name="Picture 3"/>
+          <p:cNvPicPr>
+            <a:picLocks noChangeAspect="1" noChangeArrowheads="1"/>
+          </p:cNvPicPr>
+          <p:nvPr/>
+        </p:nvPicPr>
+        <p:blipFill>
+          <a:blip r:embed="rId5">
+            <a:extLst>
+              <a:ext uri="{28A0092B-C50C-407E-A947-70E740481C1C}">
+                <a14:useLocalDpi xmlns:a14="http://schemas.microsoft.com/office/drawing/2010/main" val="0"/>
+              </a:ext>
+            </a:extLst>
+          </a:blip>
+          <a:srcRect/>
+          <a:stretch>
+            <a:fillRect/>
+          </a:stretch>
+        </p:blipFill>
+        <p:spPr bwMode="auto">
+          <a:xfrm>
+            <a:off x="5559202" y="4149080"/>
+            <a:ext cx="3448050" cy="1238250"/>
+          </a:xfrm>
+          <a:prstGeom prst="rect">
+            <a:avLst/>
+          </a:prstGeom>
+          <a:noFill/>
+          <a:ln>
+            <a:noFill/>
+          </a:ln>
+          <a:effectLst/>
+          <a:extLst>
+            <a:ext uri="{909E8E84-426E-40DD-AFC4-6F175D3DCCD1}">
+              <a14:hiddenFill xmlns:a14="http://schemas.microsoft.com/office/drawing/2010/main">
+                <a:solidFill>
+                  <a:schemeClr val="accent1"/>
+                </a:solidFill>
+              </a14:hiddenFill>
+            </a:ext>
+            <a:ext uri="{91240B29-F687-4F45-9708-019B960494DF}">
+              <a14:hiddenLine xmlns:a14="http://schemas.microsoft.com/office/drawing/2010/main" w="9525">
+                <a:solidFill>
+                  <a:schemeClr val="tx1"/>
+                </a:solidFill>
+                <a:miter lim="800000"/>
+                <a:headEnd/>
+                <a:tailEnd/>
+              </a14:hiddenLine>
+            </a:ext>
+            <a:ext uri="{AF507438-7753-43E0-B8FC-AC1667EBCBE1}">
+              <a14:hiddenEffects xmlns:a14="http://schemas.microsoft.com/office/drawing/2010/main">
+                <a:effectLst>
+                  <a:outerShdw dist="35921" dir="2700000" algn="ctr" rotWithShape="0">
+                    <a:schemeClr val="bg2"/>
+                  </a:outerShdw>
+                </a:effectLst>
+              </a14:hiddenEffects>
+            </a:ext>
+          </a:extLst>
+        </p:spPr>
+      </p:pic>
     </p:spTree>
     <p:extLst>
       <p:ext uri="{BB962C8B-B14F-4D97-AF65-F5344CB8AC3E}">
@@ -3535,70 +3663,34 @@
             <p:ph type="title"/>
           </p:nvPr>
         </p:nvSpPr>
-        <p:spPr/>
-        <p:txBody>
-          <a:bodyPr/>
-          <a:lstStyle/>
-          <a:p>
-            <a:r>
-              <a:rPr lang="en-US" dirty="0" smtClean="0"/>
-              <a:t>Multi-objective Optimization</a:t>
+        <p:spPr>
+          <a:xfrm>
+            <a:off x="395536" y="0"/>
+            <a:ext cx="8229600" cy="1143000"/>
+          </a:xfrm>
+        </p:spPr>
+        <p:txBody>
+          <a:bodyPr/>
+          <a:lstStyle/>
+          <a:p>
+            <a:r>
+              <a:rPr lang="en-US" dirty="0" smtClean="0"/>
+              <a:t>ACO components</a:t>
             </a:r>
             <a:endParaRPr lang="ru-RU" dirty="0"/>
           </a:p>
         </p:txBody>
       </p:sp>
-      <p:pic>
-        <p:nvPicPr>
-          <p:cNvPr id="3074" name="Picture 2" descr="Картинки по запросу multi objective optimization"/>
-          <p:cNvPicPr>
-            <a:picLocks noChangeAspect="1" noChangeArrowheads="1"/>
-          </p:cNvPicPr>
-          <p:nvPr/>
-        </p:nvPicPr>
-        <p:blipFill>
-          <a:blip r:embed="rId2">
-            <a:extLst>
-              <a:ext uri="{28A0092B-C50C-407E-A947-70E740481C1C}">
-                <a14:useLocalDpi xmlns:a14="http://schemas.microsoft.com/office/drawing/2010/main" val="0"/>
-              </a:ext>
-            </a:extLst>
-          </a:blip>
-          <a:srcRect/>
-          <a:stretch>
-            <a:fillRect/>
-          </a:stretch>
-        </p:blipFill>
-        <p:spPr bwMode="auto">
-          <a:xfrm>
-            <a:off x="1835696" y="1471082"/>
-            <a:ext cx="5256584" cy="3605412"/>
-          </a:xfrm>
-          <a:prstGeom prst="rect">
-            <a:avLst/>
-          </a:prstGeom>
-          <a:noFill/>
-          <a:extLst>
-            <a:ext uri="{909E8E84-426E-40DD-AFC4-6F175D3DCCD1}">
-              <a14:hiddenFill xmlns:a14="http://schemas.microsoft.com/office/drawing/2010/main">
-                <a:solidFill>
-                  <a:srgbClr val="FFFFFF"/>
-                </a:solidFill>
-              </a14:hiddenFill>
-            </a:ext>
-          </a:extLst>
-        </p:spPr>
-      </p:pic>
-      <p:sp>
-        <p:nvSpPr>
-          <p:cNvPr id="4" name="TextBox 3"/>
+      <p:sp>
+        <p:nvSpPr>
+          <p:cNvPr id="5" name="TextBox 4"/>
           <p:cNvSpPr txBox="1"/>
           <p:nvPr/>
         </p:nvSpPr>
         <p:spPr>
           <a:xfrm>
-            <a:off x="2267744" y="5373216"/>
-            <a:ext cx="4720635" cy="1200329"/>
+            <a:off x="-13672" y="1124744"/>
+            <a:ext cx="3721083" cy="5632311"/>
           </a:xfrm>
           <a:prstGeom prst="rect">
             <a:avLst/>
@@ -3606,18 +3698,426 @@
           <a:noFill/>
         </p:spPr>
         <p:txBody>
-          <a:bodyPr wrap="square" rtlCol="0">
+          <a:bodyPr wrap="none" rtlCol="0">
             <a:spAutoFit/>
           </a:bodyPr>
           <a:lstStyle/>
           <a:p>
-            <a:r>
-              <a:rPr lang="en-US" dirty="0" smtClean="0"/>
-              <a:t>The Pareto Front (set of non-dominated solutions) is the final purpose of the optimization process.</a:t>
-            </a:r>
-          </a:p>
-          <a:p>
-            <a:endParaRPr lang="ru-RU" dirty="0"/>
+            <a:pPr marL="285750" indent="-285750">
+              <a:buFont typeface="Arial" panose="020B0604020202020204" pitchFamily="34" charset="0"/>
+              <a:buChar char="•"/>
+            </a:pPr>
+            <a:r>
+              <a:rPr lang="en-US" dirty="0" smtClean="0"/>
+              <a:t>Solution component choice:</a:t>
+            </a:r>
+          </a:p>
+          <a:p>
+            <a:pPr marL="742950" lvl="1" indent="-285750">
+              <a:buFont typeface="Arial" panose="020B0604020202020204" pitchFamily="34" charset="0"/>
+              <a:buChar char="•"/>
+            </a:pPr>
+            <a:r>
+              <a:rPr lang="en-US" dirty="0" smtClean="0"/>
+              <a:t>Standard</a:t>
+            </a:r>
+          </a:p>
+          <a:p>
+            <a:pPr marL="742950" lvl="1" indent="-285750">
+              <a:buFont typeface="Arial" panose="020B0604020202020204" pitchFamily="34" charset="0"/>
+              <a:buChar char="•"/>
+            </a:pPr>
+            <a:r>
+              <a:rPr lang="en-US" dirty="0" smtClean="0"/>
+              <a:t>By </a:t>
+            </a:r>
+            <a:r>
+              <a:rPr lang="en-US" dirty="0" err="1" smtClean="0"/>
+              <a:t>Maniezzo</a:t>
+            </a:r>
+            <a:endParaRPr lang="en-US" dirty="0" smtClean="0"/>
+          </a:p>
+          <a:p>
+            <a:pPr marL="742950" lvl="1" indent="-285750">
+              <a:buFont typeface="Arial" panose="020B0604020202020204" pitchFamily="34" charset="0"/>
+              <a:buChar char="•"/>
+            </a:pPr>
+            <a:r>
+              <a:rPr lang="en-US" dirty="0" smtClean="0"/>
+              <a:t>By </a:t>
+            </a:r>
+            <a:r>
+              <a:rPr lang="en-US" dirty="0" err="1" smtClean="0"/>
+              <a:t>Dorigo</a:t>
+            </a:r>
+            <a:r>
+              <a:rPr lang="en-US" dirty="0" smtClean="0"/>
+              <a:t> and Gambardella</a:t>
+            </a:r>
+            <a:endParaRPr lang="en-US" dirty="0" smtClean="0"/>
+          </a:p>
+          <a:p>
+            <a:pPr marL="285750" indent="-285750">
+              <a:buFont typeface="Arial" panose="020B0604020202020204" pitchFamily="34" charset="0"/>
+              <a:buChar char="•"/>
+            </a:pPr>
+            <a:r>
+              <a:rPr lang="en-US" dirty="0" smtClean="0"/>
+              <a:t>Extensions:</a:t>
+            </a:r>
+          </a:p>
+          <a:p>
+            <a:pPr marL="742950" lvl="1" indent="-285750">
+              <a:buFont typeface="Arial" panose="020B0604020202020204" pitchFamily="34" charset="0"/>
+              <a:buChar char="•"/>
+            </a:pPr>
+            <a:r>
+              <a:rPr lang="en-US" dirty="0" err="1" smtClean="0"/>
+              <a:t>Lookahead</a:t>
+            </a:r>
+            <a:r>
+              <a:rPr lang="en-US" dirty="0" smtClean="0"/>
+              <a:t> </a:t>
+            </a:r>
+          </a:p>
+          <a:p>
+            <a:pPr marL="742950" lvl="1" indent="-285750">
+              <a:buFont typeface="Arial" panose="020B0604020202020204" pitchFamily="34" charset="0"/>
+              <a:buChar char="•"/>
+            </a:pPr>
+            <a:r>
+              <a:rPr lang="en-US" dirty="0" smtClean="0"/>
+              <a:t>Candidate list </a:t>
+            </a:r>
+          </a:p>
+          <a:p>
+            <a:pPr marL="742950" lvl="1" indent="-285750">
+              <a:buFont typeface="Arial" panose="020B0604020202020204" pitchFamily="34" charset="0"/>
+              <a:buChar char="•"/>
+            </a:pPr>
+            <a:r>
+              <a:rPr lang="en-US" dirty="0" smtClean="0"/>
+              <a:t>Heuristic </a:t>
+            </a:r>
+            <a:r>
+              <a:rPr lang="en-US" dirty="0" err="1" smtClean="0"/>
+              <a:t>precomputuation</a:t>
+            </a:r>
+            <a:r>
+              <a:rPr lang="en-US" dirty="0" smtClean="0"/>
+              <a:t>.</a:t>
+            </a:r>
+          </a:p>
+          <a:p>
+            <a:pPr marL="742950" lvl="1" indent="-285750">
+              <a:buFont typeface="Arial" panose="020B0604020202020204" pitchFamily="34" charset="0"/>
+              <a:buChar char="•"/>
+            </a:pPr>
+            <a:r>
+              <a:rPr lang="en-US" dirty="0" smtClean="0"/>
+              <a:t>Iterated Greedy:</a:t>
+            </a:r>
+          </a:p>
+          <a:p>
+            <a:pPr marL="1200150" lvl="2" indent="-285750">
+              <a:buFont typeface="Arial" panose="020B0604020202020204" pitchFamily="34" charset="0"/>
+              <a:buChar char="•"/>
+            </a:pPr>
+            <a:r>
+              <a:rPr lang="en-US" dirty="0" smtClean="0"/>
+              <a:t>External memory</a:t>
+            </a:r>
+          </a:p>
+          <a:p>
+            <a:pPr marL="1200150" lvl="2" indent="-285750">
+              <a:buFont typeface="Arial" panose="020B0604020202020204" pitchFamily="34" charset="0"/>
+              <a:buChar char="•"/>
+            </a:pPr>
+            <a:r>
+              <a:rPr lang="en-US" dirty="0" smtClean="0"/>
+              <a:t>Iterated ants</a:t>
+            </a:r>
+          </a:p>
+          <a:p>
+            <a:pPr marL="1200150" lvl="2" indent="-285750">
+              <a:buFont typeface="Arial" panose="020B0604020202020204" pitchFamily="34" charset="0"/>
+              <a:buChar char="•"/>
+            </a:pPr>
+            <a:r>
+              <a:rPr lang="en-US" dirty="0" smtClean="0"/>
+              <a:t>Cunning ants</a:t>
+            </a:r>
+            <a:endParaRPr lang="ru-RU" dirty="0" smtClean="0"/>
+          </a:p>
+          <a:p>
+            <a:pPr marL="285750" indent="-285750">
+              <a:buFont typeface="Arial" panose="020B0604020202020204" pitchFamily="34" charset="0"/>
+              <a:buChar char="•"/>
+            </a:pPr>
+            <a:r>
+              <a:rPr lang="en-US" dirty="0" smtClean="0"/>
+              <a:t>Global </a:t>
+            </a:r>
+            <a:r>
+              <a:rPr lang="en-US" dirty="0"/>
+              <a:t>p</a:t>
+            </a:r>
+            <a:r>
+              <a:rPr lang="en-US" dirty="0" smtClean="0"/>
+              <a:t>heromone update</a:t>
+            </a:r>
+          </a:p>
+          <a:p>
+            <a:pPr marL="742950" lvl="1" indent="-285750">
+              <a:buFont typeface="Arial" panose="020B0604020202020204" pitchFamily="34" charset="0"/>
+              <a:buChar char="•"/>
+            </a:pPr>
+            <a:r>
+              <a:rPr lang="en-US" dirty="0" smtClean="0"/>
+              <a:t>Update techniques:</a:t>
+            </a:r>
+          </a:p>
+          <a:p>
+            <a:pPr marL="1200150" lvl="2" indent="-285750">
+              <a:buFont typeface="Arial" panose="020B0604020202020204" pitchFamily="34" charset="0"/>
+              <a:buChar char="•"/>
+            </a:pPr>
+            <a:r>
+              <a:rPr lang="en-US" dirty="0" smtClean="0"/>
+              <a:t>Ant system</a:t>
+            </a:r>
+          </a:p>
+          <a:p>
+            <a:pPr marL="1200150" lvl="2" indent="-285750">
+              <a:buFont typeface="Arial" panose="020B0604020202020204" pitchFamily="34" charset="0"/>
+              <a:buChar char="•"/>
+            </a:pPr>
+            <a:r>
+              <a:rPr lang="en-US" dirty="0" smtClean="0"/>
+              <a:t>Single update selections:</a:t>
+            </a:r>
+          </a:p>
+          <a:p>
+            <a:pPr marL="1657350" lvl="3" indent="-285750">
+              <a:buFont typeface="Arial" panose="020B0604020202020204" pitchFamily="34" charset="0"/>
+              <a:buChar char="•"/>
+            </a:pPr>
+            <a:r>
+              <a:rPr lang="en-US" dirty="0" smtClean="0"/>
+              <a:t>Iteration-base</a:t>
+            </a:r>
+          </a:p>
+          <a:p>
+            <a:pPr marL="1657350" lvl="3" indent="-285750">
+              <a:buFont typeface="Arial" panose="020B0604020202020204" pitchFamily="34" charset="0"/>
+              <a:buChar char="•"/>
+            </a:pPr>
+            <a:r>
+              <a:rPr lang="en-US" dirty="0" smtClean="0"/>
+              <a:t>Global-based</a:t>
+            </a:r>
+          </a:p>
+          <a:p>
+            <a:pPr marL="1657350" lvl="3" indent="-285750">
+              <a:buFont typeface="Arial" panose="020B0604020202020204" pitchFamily="34" charset="0"/>
+              <a:buChar char="•"/>
+            </a:pPr>
+            <a:r>
+              <a:rPr lang="en-US" dirty="0" smtClean="0"/>
+              <a:t>Restart-based</a:t>
+            </a:r>
+          </a:p>
+          <a:p>
+            <a:pPr marL="742950" lvl="1" indent="-285750">
+              <a:buFont typeface="Arial" panose="020B0604020202020204" pitchFamily="34" charset="0"/>
+              <a:buChar char="•"/>
+            </a:pPr>
+            <a:endParaRPr lang="en-US" dirty="0"/>
+          </a:p>
+        </p:txBody>
+      </p:sp>
+      <p:sp>
+        <p:nvSpPr>
+          <p:cNvPr id="6" name="TextBox 5"/>
+          <p:cNvSpPr txBox="1"/>
+          <p:nvPr/>
+        </p:nvSpPr>
+        <p:spPr>
+          <a:xfrm>
+            <a:off x="4211960" y="1124744"/>
+            <a:ext cx="4051558" cy="3970318"/>
+          </a:xfrm>
+          <a:prstGeom prst="rect">
+            <a:avLst/>
+          </a:prstGeom>
+          <a:noFill/>
+        </p:spPr>
+        <p:txBody>
+          <a:bodyPr wrap="none" rtlCol="0">
+            <a:spAutoFit/>
+          </a:bodyPr>
+          <a:lstStyle/>
+          <a:p>
+            <a:pPr marL="742950" lvl="1" indent="-285750">
+              <a:buFont typeface="Arial" panose="020B0604020202020204" pitchFamily="34" charset="0"/>
+              <a:buChar char="•"/>
+            </a:pPr>
+            <a:r>
+              <a:rPr lang="en-US" dirty="0" smtClean="0"/>
+              <a:t>Systems:</a:t>
+            </a:r>
+          </a:p>
+          <a:p>
+            <a:pPr marL="1200150" lvl="2" indent="-285750">
+              <a:buFont typeface="Arial" panose="020B0604020202020204" pitchFamily="34" charset="0"/>
+              <a:buChar char="•"/>
+            </a:pPr>
+            <a:r>
+              <a:rPr lang="en-US" dirty="0" smtClean="0"/>
+              <a:t>Ant System</a:t>
+            </a:r>
+          </a:p>
+          <a:p>
+            <a:pPr marL="1200150" lvl="2" indent="-285750">
+              <a:buFont typeface="Arial" panose="020B0604020202020204" pitchFamily="34" charset="0"/>
+              <a:buChar char="•"/>
+            </a:pPr>
+            <a:r>
+              <a:rPr lang="en-US" dirty="0" smtClean="0"/>
+              <a:t>Ant Colony System</a:t>
+            </a:r>
+          </a:p>
+          <a:p>
+            <a:pPr marL="1200150" lvl="2" indent="-285750">
+              <a:buFont typeface="Arial" panose="020B0604020202020204" pitchFamily="34" charset="0"/>
+              <a:buChar char="•"/>
+            </a:pPr>
+            <a:r>
+              <a:rPr lang="en-US" dirty="0"/>
+              <a:t>Max-Min Ant </a:t>
+            </a:r>
+            <a:r>
+              <a:rPr lang="en-US" dirty="0" smtClean="0"/>
+              <a:t>System</a:t>
+            </a:r>
+          </a:p>
+          <a:p>
+            <a:pPr marL="1200150" lvl="2" indent="-285750">
+              <a:buFont typeface="Arial" panose="020B0604020202020204" pitchFamily="34" charset="0"/>
+              <a:buChar char="•"/>
+            </a:pPr>
+            <a:r>
+              <a:rPr lang="en-US" dirty="0"/>
+              <a:t>Rank-based Ant </a:t>
+            </a:r>
+            <a:r>
+              <a:rPr lang="en-US" dirty="0" smtClean="0"/>
+              <a:t>System</a:t>
+            </a:r>
+          </a:p>
+          <a:p>
+            <a:pPr marL="1200150" lvl="2" indent="-285750">
+              <a:buFont typeface="Arial" panose="020B0604020202020204" pitchFamily="34" charset="0"/>
+              <a:buChar char="•"/>
+            </a:pPr>
+            <a:r>
+              <a:rPr lang="en-US" dirty="0"/>
+              <a:t>Elitist Ant </a:t>
+            </a:r>
+            <a:r>
+              <a:rPr lang="en-US" dirty="0" smtClean="0"/>
+              <a:t>System</a:t>
+            </a:r>
+          </a:p>
+          <a:p>
+            <a:pPr marL="1200150" lvl="2" indent="-285750">
+              <a:buFont typeface="Arial" panose="020B0604020202020204" pitchFamily="34" charset="0"/>
+              <a:buChar char="•"/>
+            </a:pPr>
+            <a:r>
+              <a:rPr lang="en-US" dirty="0"/>
+              <a:t>Best-Worst Ant </a:t>
+            </a:r>
+            <a:r>
+              <a:rPr lang="en-US" dirty="0" smtClean="0"/>
+              <a:t>System</a:t>
+            </a:r>
+          </a:p>
+          <a:p>
+            <a:pPr marL="285750" indent="-285750">
+              <a:buFont typeface="Arial" panose="020B0604020202020204" pitchFamily="34" charset="0"/>
+              <a:buChar char="•"/>
+            </a:pPr>
+            <a:r>
+              <a:rPr lang="en-US" dirty="0" smtClean="0"/>
+              <a:t>Local </a:t>
+            </a:r>
+            <a:r>
+              <a:rPr lang="en-US" dirty="0"/>
+              <a:t>p</a:t>
+            </a:r>
+            <a:r>
+              <a:rPr lang="en-US" dirty="0" smtClean="0"/>
+              <a:t>heromone update</a:t>
+            </a:r>
+            <a:endParaRPr lang="ru-RU" dirty="0" smtClean="0"/>
+          </a:p>
+          <a:p>
+            <a:pPr marL="285750" indent="-285750">
+              <a:buFont typeface="Arial" panose="020B0604020202020204" pitchFamily="34" charset="0"/>
+              <a:buChar char="•"/>
+            </a:pPr>
+            <a:r>
+              <a:rPr lang="en-US" dirty="0" smtClean="0"/>
+              <a:t>Local Search:</a:t>
+            </a:r>
+          </a:p>
+          <a:p>
+            <a:pPr marL="742950" lvl="1" indent="-285750">
+              <a:buFont typeface="Arial" panose="020B0604020202020204" pitchFamily="34" charset="0"/>
+              <a:buChar char="•"/>
+            </a:pPr>
+            <a:r>
+              <a:rPr lang="en-US" dirty="0" smtClean="0"/>
+              <a:t>Search mode:</a:t>
+            </a:r>
+          </a:p>
+          <a:p>
+            <a:pPr marL="1200150" lvl="2" indent="-285750">
+              <a:buFont typeface="Arial" panose="020B0604020202020204" pitchFamily="34" charset="0"/>
+              <a:buChar char="•"/>
+            </a:pPr>
+            <a:r>
+              <a:rPr lang="en-US" dirty="0" smtClean="0"/>
+              <a:t>Best-improvement</a:t>
+            </a:r>
+          </a:p>
+          <a:p>
+            <a:pPr marL="1200150" lvl="2" indent="-285750">
+              <a:buFont typeface="Arial" panose="020B0604020202020204" pitchFamily="34" charset="0"/>
+              <a:buChar char="•"/>
+            </a:pPr>
+            <a:r>
+              <a:rPr lang="en-US" dirty="0" smtClean="0"/>
+              <a:t>First-improvement</a:t>
+            </a:r>
+          </a:p>
+          <a:p>
+            <a:pPr marL="742950" lvl="1" indent="-285750">
+              <a:buFont typeface="Arial" panose="020B0604020202020204" pitchFamily="34" charset="0"/>
+              <a:buChar char="•"/>
+            </a:pPr>
+            <a:r>
+              <a:rPr lang="en-US" dirty="0" smtClean="0"/>
+              <a:t>Problem-specific implementation</a:t>
+            </a:r>
+          </a:p>
+          <a:p>
+            <a:pPr marL="742950" lvl="1" indent="-285750">
+              <a:buFont typeface="Arial" panose="020B0604020202020204" pitchFamily="34" charset="0"/>
+              <a:buChar char="•"/>
+            </a:pPr>
+            <a:endParaRPr lang="en-US" dirty="0"/>
           </a:p>
         </p:txBody>
       </p:sp>
@@ -3821,7 +4321,7 @@
         </p:blipFill>
         <p:spPr bwMode="auto">
           <a:xfrm>
-            <a:off x="2483768" y="1412776"/>
+            <a:off x="785256" y="1412776"/>
             <a:ext cx="3554883" cy="4268398"/>
           </a:xfrm>
           <a:prstGeom prst="rect">
@@ -3847,8 +4347,8 @@
         </p:nvSpPr>
         <p:spPr>
           <a:xfrm>
-            <a:off x="1259632" y="5836622"/>
-            <a:ext cx="7350154" cy="369332"/>
+            <a:off x="1012080" y="5836622"/>
+            <a:ext cx="3101234" cy="369332"/>
           </a:xfrm>
           <a:prstGeom prst="rect">
             <a:avLst/>
@@ -3863,8 +4363,181 @@
           <a:p>
             <a:r>
               <a:rPr lang="en-US" dirty="0" smtClean="0"/>
-              <a:t>Configurations bypass several iterations of selection where the best ones win</a:t>
-            </a:r>
+              <a:t>Instance population illustration</a:t>
+            </a:r>
+            <a:endParaRPr lang="ru-RU" dirty="0"/>
+          </a:p>
+        </p:txBody>
+      </p:sp>
+      <p:sp>
+        <p:nvSpPr>
+          <p:cNvPr id="5" name="TextBox 4"/>
+          <p:cNvSpPr txBox="1"/>
+          <p:nvPr/>
+        </p:nvSpPr>
+        <p:spPr>
+          <a:xfrm>
+            <a:off x="4499993" y="1472472"/>
+            <a:ext cx="4392488" cy="4801314"/>
+          </a:xfrm>
+          <a:prstGeom prst="rect">
+            <a:avLst/>
+          </a:prstGeom>
+          <a:noFill/>
+        </p:spPr>
+        <p:txBody>
+          <a:bodyPr wrap="square" rtlCol="0">
+            <a:spAutoFit/>
+          </a:bodyPr>
+          <a:lstStyle/>
+          <a:p>
+            <a:pPr marL="342900" indent="-342900">
+              <a:buFont typeface="+mj-lt"/>
+              <a:buAutoNum type="arabicPeriod"/>
+            </a:pPr>
+            <a:r>
+              <a:rPr lang="en-US" dirty="0"/>
+              <a:t>Sampling new </a:t>
+            </a:r>
+            <a:r>
+              <a:rPr lang="en-US" dirty="0"/>
+              <a:t>configurations </a:t>
+            </a:r>
+            <a:r>
+              <a:rPr lang="en-US" dirty="0" smtClean="0"/>
+              <a:t>according </a:t>
+            </a:r>
+            <a:r>
+              <a:rPr lang="en-US" dirty="0"/>
+              <a:t>to a particular </a:t>
+            </a:r>
+            <a:r>
+              <a:rPr lang="en-US" dirty="0" smtClean="0"/>
+              <a:t>distribution</a:t>
+            </a:r>
+          </a:p>
+          <a:p>
+            <a:pPr marL="342900" indent="-342900">
+              <a:buFont typeface="+mj-lt"/>
+              <a:buAutoNum type="arabicPeriod"/>
+            </a:pPr>
+            <a:endParaRPr lang="en-US" dirty="0"/>
+          </a:p>
+          <a:p>
+            <a:pPr marL="342900" indent="-342900">
+              <a:buFont typeface="+mj-lt"/>
+              <a:buAutoNum type="arabicPeriod"/>
+            </a:pPr>
+            <a:r>
+              <a:rPr lang="en-US" dirty="0"/>
+              <a:t>Selecting the best </a:t>
+            </a:r>
+            <a:r>
+              <a:rPr lang="en-US" dirty="0"/>
+              <a:t>configurations </a:t>
+            </a:r>
+            <a:r>
+              <a:rPr lang="en-US" dirty="0" smtClean="0"/>
+              <a:t>from </a:t>
+            </a:r>
+            <a:r>
+              <a:rPr lang="en-US" dirty="0"/>
+              <a:t>the newly sampled ones by </a:t>
+            </a:r>
+            <a:r>
+              <a:rPr lang="en-US" dirty="0" smtClean="0"/>
+              <a:t>means of </a:t>
+            </a:r>
+            <a:r>
+              <a:rPr lang="en-US" dirty="0"/>
+              <a:t>racing</a:t>
+            </a:r>
+            <a:r>
+              <a:rPr lang="en-US" dirty="0" smtClean="0"/>
+              <a:t>.</a:t>
+            </a:r>
+          </a:p>
+          <a:p>
+            <a:pPr marL="342900" indent="-342900">
+              <a:buFont typeface="+mj-lt"/>
+              <a:buAutoNum type="arabicPeriod"/>
+            </a:pPr>
+            <a:endParaRPr lang="en-US" dirty="0" smtClean="0"/>
+          </a:p>
+          <a:p>
+            <a:pPr marL="342900" indent="-342900">
+              <a:buFont typeface="+mj-lt"/>
+              <a:buAutoNum type="arabicPeriod"/>
+            </a:pPr>
+            <a:r>
+              <a:rPr lang="en-US" dirty="0"/>
+              <a:t>Updating the sampling distribution in order to bias the sampling </a:t>
+            </a:r>
+            <a:r>
+              <a:rPr lang="en-US" dirty="0" smtClean="0"/>
+              <a:t>towards the </a:t>
+            </a:r>
+            <a:r>
+              <a:rPr lang="en-US" dirty="0"/>
+              <a:t>best </a:t>
+            </a:r>
+            <a:r>
+              <a:rPr lang="en-US" dirty="0" smtClean="0"/>
+              <a:t>configurations.</a:t>
+            </a:r>
+          </a:p>
+          <a:p>
+            <a:pPr marL="342900" indent="-342900">
+              <a:buFont typeface="+mj-lt"/>
+              <a:buAutoNum type="arabicPeriod"/>
+            </a:pPr>
+            <a:endParaRPr lang="en-US" dirty="0"/>
+          </a:p>
+          <a:p>
+            <a:pPr marL="342900" indent="-342900">
+              <a:buFont typeface="+mj-lt"/>
+              <a:buAutoNum type="arabicPeriod"/>
+            </a:pPr>
+            <a:endParaRPr lang="en-US" dirty="0" smtClean="0"/>
+          </a:p>
+          <a:p>
+            <a:r>
+              <a:rPr lang="en-US" dirty="0" smtClean="0"/>
+              <a:t>Extensions:</a:t>
+            </a:r>
+          </a:p>
+          <a:p>
+            <a:pPr marL="285750" indent="-285750">
+              <a:buFont typeface="Arial" panose="020B0604020202020204" pitchFamily="34" charset="0"/>
+              <a:buChar char="•"/>
+            </a:pPr>
+            <a:r>
+              <a:rPr lang="en-US" dirty="0" smtClean="0"/>
+              <a:t>Initial configuration set-up</a:t>
+            </a:r>
+          </a:p>
+          <a:p>
+            <a:pPr marL="285750" indent="-285750">
+              <a:buFont typeface="Arial" panose="020B0604020202020204" pitchFamily="34" charset="0"/>
+              <a:buChar char="•"/>
+            </a:pPr>
+            <a:r>
+              <a:rPr lang="en-US" dirty="0" smtClean="0"/>
+              <a:t>Soft-restart.</a:t>
+            </a:r>
+          </a:p>
+          <a:p>
+            <a:pPr marL="342900" indent="-342900">
+              <a:buFont typeface="+mj-lt"/>
+              <a:buAutoNum type="arabicPeriod"/>
+            </a:pPr>
+            <a:endParaRPr lang="en-US" dirty="0" smtClean="0"/>
+          </a:p>
+          <a:p>
+            <a:pPr marL="342900" indent="-342900">
+              <a:buFont typeface="+mj-lt"/>
+              <a:buAutoNum type="arabicPeriod"/>
+            </a:pPr>
             <a:endParaRPr lang="ru-RU" dirty="0"/>
           </a:p>
         </p:txBody>
@@ -3954,8 +4627,13 @@
             </a:r>
             <a:r>
               <a:rPr lang="en-US" sz="2800" dirty="0" smtClean="0"/>
-              <a:t>framework (VRP, SUBSET-SUM, KNAPSACK).</a:t>
-            </a:r>
+              <a:t>framework (</a:t>
+            </a:r>
+            <a:r>
+              <a:rPr lang="en-US" sz="2800" dirty="0" smtClean="0"/>
+              <a:t>Vehicle Routing Problem, Subset-sum, Knapsack).</a:t>
+            </a:r>
+            <a:endParaRPr lang="en-US" sz="2800" dirty="0" smtClean="0"/>
           </a:p>
           <a:p>
             <a:pPr marL="514350" indent="-514350">
